--- a/prithiyangaradevi u.pptx
+++ b/prithiyangaradevi u.pptx
@@ -2,24 +2,24 @@
 <file path=ppt/presentation.xml><?xml version="1.0" encoding="utf-8"?>
 <p:presentation xmlns:p="http://schemas.openxmlformats.org/presentationml/2006/main" xmlns:r="http://schemas.openxmlformats.org/officeDocument/2006/relationships" xmlns:a="http://schemas.openxmlformats.org/drawingml/2006/main">
   <p:sldMasterIdLst>
-    <p:sldMasterId id="2147483648" r:id="rId1"/>
+    <p:sldMasterId id="2147483654" r:id="rId1"/>
   </p:sldMasterIdLst>
   <p:notesMasterIdLst>
     <p:notesMasterId r:id="rId2"/>
   </p:notesMasterIdLst>
   <p:sldIdLst>
-    <p:sldId id="257" r:id="rId3"/>
-    <p:sldId id="258" r:id="rId4"/>
-    <p:sldId id="259" r:id="rId5"/>
-    <p:sldId id="260" r:id="rId6"/>
-    <p:sldId id="261" r:id="rId7"/>
-    <p:sldId id="262" r:id="rId8"/>
-    <p:sldId id="263" r:id="rId9"/>
-    <p:sldId id="264" r:id="rId10"/>
-    <p:sldId id="265" r:id="rId11"/>
-    <p:sldId id="266" r:id="rId12"/>
-    <p:sldId id="268" r:id="rId13"/>
-    <p:sldId id="269" r:id="rId14"/>
+    <p:sldId id="271" r:id="rId3"/>
+    <p:sldId id="272" r:id="rId4"/>
+    <p:sldId id="273" r:id="rId5"/>
+    <p:sldId id="274" r:id="rId6"/>
+    <p:sldId id="275" r:id="rId7"/>
+    <p:sldId id="276" r:id="rId8"/>
+    <p:sldId id="277" r:id="rId9"/>
+    <p:sldId id="278" r:id="rId10"/>
+    <p:sldId id="279" r:id="rId11"/>
+    <p:sldId id="280" r:id="rId12"/>
+    <p:sldId id="281" r:id="rId13"/>
+    <p:sldId id="282" r:id="rId14"/>
   </p:sldIdLst>
   <p:sldSz type="screen16x9" cy="6858000" cx="12192000"/>
   <p:notesSz cx="12192000" cy="6858000"/>
@@ -145,7 +145,7 @@
       </p:grpSpPr>
       <p:sp>
         <p:nvSpPr>
-          <p:cNvPr id="1048697" name="Header Placeholder 1"/>
+          <p:cNvPr id="1048704" name="Header Placeholder 1"/>
           <p:cNvSpPr>
             <a:spLocks noGrp="1"/>
           </p:cNvSpPr>
@@ -174,7 +174,7 @@
       </p:sp>
       <p:sp>
         <p:nvSpPr>
-          <p:cNvPr id="1048698" name="Date Placeholder 2"/>
+          <p:cNvPr id="1048705" name="Date Placeholder 2"/>
           <p:cNvSpPr>
             <a:spLocks noGrp="1"/>
           </p:cNvSpPr>
@@ -207,7 +207,7 @@
       </p:sp>
       <p:sp>
         <p:nvSpPr>
-          <p:cNvPr id="1048699" name="Slide Image Placeholder 3"/>
+          <p:cNvPr id="1048706" name="Slide Image Placeholder 3"/>
           <p:cNvSpPr>
             <a:spLocks noChangeAspect="1" noRot="1" noGrp="1"/>
           </p:cNvSpPr>
@@ -237,7 +237,7 @@
       </p:sp>
       <p:sp>
         <p:nvSpPr>
-          <p:cNvPr id="1048700" name="Notes Placeholder 4"/>
+          <p:cNvPr id="1048707" name="Notes Placeholder 4"/>
           <p:cNvSpPr>
             <a:spLocks noGrp="1"/>
           </p:cNvSpPr>
@@ -294,7 +294,7 @@
       </p:sp>
       <p:sp>
         <p:nvSpPr>
-          <p:cNvPr id="1048701" name="Footer Placeholder 5"/>
+          <p:cNvPr id="1048708" name="Footer Placeholder 5"/>
           <p:cNvSpPr>
             <a:spLocks noGrp="1"/>
           </p:cNvSpPr>
@@ -323,7 +323,7 @@
       </p:sp>
       <p:sp>
         <p:nvSpPr>
-          <p:cNvPr id="1048702" name="Slide Number Placeholder 6"/>
+          <p:cNvPr id="1048709" name="Slide Number Placeholder 6"/>
           <p:cNvSpPr>
             <a:spLocks noGrp="1"/>
           </p:cNvSpPr>
@@ -457,7 +457,7 @@
   <p:cSld>
     <p:spTree>
       <p:nvGrpSpPr>
-        <p:cNvPr id="22" name=""/>
+        <p:cNvPr id="29" name=""/>
         <p:cNvGrpSpPr/>
         <p:nvPr/>
       </p:nvGrpSpPr>
@@ -471,7 +471,7 @@
       </p:grpSpPr>
       <p:sp>
         <p:nvSpPr>
-          <p:cNvPr id="1048603" name="Slide Image Placeholder 1"/>
+          <p:cNvPr id="1048626" name="Slide Image Placeholder 1"/>
           <p:cNvSpPr>
             <a:spLocks noChangeAspect="1" noRot="1" noGrp="1"/>
           </p:cNvSpPr>
@@ -483,7 +483,7 @@
       </p:sp>
       <p:sp>
         <p:nvSpPr>
-          <p:cNvPr id="1048604" name="Notes Placeholder 2"/>
+          <p:cNvPr id="1048627" name="Notes Placeholder 2"/>
           <p:cNvSpPr>
             <a:spLocks noGrp="1"/>
           </p:cNvSpPr>
@@ -501,7 +501,7 @@
       </p:sp>
       <p:sp>
         <p:nvSpPr>
-          <p:cNvPr id="1048605" name="Slide Number Placeholder 3"/>
+          <p:cNvPr id="1048628" name="Slide Number Placeholder 3"/>
           <p:cNvSpPr>
             <a:spLocks noGrp="1"/>
           </p:cNvSpPr>
@@ -534,7 +534,7 @@
   <p:cSld name="Title Slide">
     <p:spTree>
       <p:nvGrpSpPr>
-        <p:cNvPr id="18" name=""/>
+        <p:cNvPr id="23" name=""/>
         <p:cNvGrpSpPr/>
         <p:nvPr/>
       </p:nvGrpSpPr>
@@ -548,7 +548,7 @@
       </p:grpSpPr>
       <p:sp>
         <p:nvSpPr>
-          <p:cNvPr id="1048591" name="Holder 2"/>
+          <p:cNvPr id="1048602" name="Holder 2"/>
           <p:cNvSpPr>
             <a:spLocks noGrp="1"/>
           </p:cNvSpPr>
@@ -583,7 +583,7 @@
       </p:sp>
       <p:sp>
         <p:nvSpPr>
-          <p:cNvPr id="1048592" name="Holder 3"/>
+          <p:cNvPr id="1048603" name="Holder 3"/>
           <p:cNvSpPr>
             <a:spLocks noGrp="1"/>
           </p:cNvSpPr>
@@ -607,7 +607,7 @@
       </p:sp>
       <p:sp>
         <p:nvSpPr>
-          <p:cNvPr id="1048593" name="Holder 4"/>
+          <p:cNvPr id="1048604" name="Holder 4"/>
           <p:cNvSpPr>
             <a:spLocks noGrp="1"/>
           </p:cNvSpPr>
@@ -634,7 +634,7 @@
       </p:sp>
       <p:sp>
         <p:nvSpPr>
-          <p:cNvPr id="1048594" name="Holder 5"/>
+          <p:cNvPr id="1048605" name="Holder 5"/>
           <p:cNvSpPr>
             <a:spLocks noGrp="1"/>
           </p:cNvSpPr>
@@ -667,7 +667,7 @@
       </p:sp>
       <p:sp>
         <p:nvSpPr>
-          <p:cNvPr id="1048595" name="Holder 6"/>
+          <p:cNvPr id="1048606" name="Holder 6"/>
           <p:cNvSpPr>
             <a:spLocks noGrp="1"/>
           </p:cNvSpPr>
@@ -733,7 +733,7 @@
       </p:grpSpPr>
       <p:sp>
         <p:nvSpPr>
-          <p:cNvPr id="1048683" name="Holder 2"/>
+          <p:cNvPr id="1048690" name="Holder 2"/>
           <p:cNvSpPr>
             <a:spLocks noGrp="1"/>
           </p:cNvSpPr>
@@ -760,7 +760,7 @@
       </p:sp>
       <p:sp>
         <p:nvSpPr>
-          <p:cNvPr id="1048684" name="Holder 3"/>
+          <p:cNvPr id="1048691" name="Holder 3"/>
           <p:cNvSpPr>
             <a:spLocks noGrp="1"/>
           </p:cNvSpPr>
@@ -776,7 +776,7 @@
       </p:sp>
       <p:sp>
         <p:nvSpPr>
-          <p:cNvPr id="1048685" name="Holder 4"/>
+          <p:cNvPr id="1048692" name="Holder 4"/>
           <p:cNvSpPr>
             <a:spLocks noGrp="1"/>
           </p:cNvSpPr>
@@ -803,7 +803,7 @@
       </p:sp>
       <p:sp>
         <p:nvSpPr>
-          <p:cNvPr id="1048686" name="Holder 5"/>
+          <p:cNvPr id="1048693" name="Holder 5"/>
           <p:cNvSpPr>
             <a:spLocks noGrp="1"/>
           </p:cNvSpPr>
@@ -836,7 +836,7 @@
       </p:sp>
       <p:sp>
         <p:nvSpPr>
-          <p:cNvPr id="1048687" name="Holder 6"/>
+          <p:cNvPr id="1048694" name="Holder 6"/>
           <p:cNvSpPr>
             <a:spLocks noGrp="1"/>
           </p:cNvSpPr>
@@ -902,7 +902,7 @@
       </p:grpSpPr>
       <p:sp>
         <p:nvSpPr>
-          <p:cNvPr id="1048688" name="Holder 2"/>
+          <p:cNvPr id="1048695" name="Holder 2"/>
           <p:cNvSpPr>
             <a:spLocks noGrp="1"/>
           </p:cNvSpPr>
@@ -929,7 +929,7 @@
       </p:sp>
       <p:sp>
         <p:nvSpPr>
-          <p:cNvPr id="1048689" name="Holder 3"/>
+          <p:cNvPr id="1048696" name="Holder 3"/>
           <p:cNvSpPr>
             <a:spLocks noGrp="1"/>
           </p:cNvSpPr>
@@ -953,7 +953,7 @@
       </p:sp>
       <p:sp>
         <p:nvSpPr>
-          <p:cNvPr id="1048690" name="Holder 4"/>
+          <p:cNvPr id="1048697" name="Holder 4"/>
           <p:cNvSpPr>
             <a:spLocks noGrp="1"/>
           </p:cNvSpPr>
@@ -977,7 +977,7 @@
       </p:sp>
       <p:sp>
         <p:nvSpPr>
-          <p:cNvPr id="1048691" name="Holder 5"/>
+          <p:cNvPr id="1048698" name="Holder 5"/>
           <p:cNvSpPr>
             <a:spLocks noGrp="1"/>
           </p:cNvSpPr>
@@ -1004,7 +1004,7 @@
       </p:sp>
       <p:sp>
         <p:nvSpPr>
-          <p:cNvPr id="1048692" name="Holder 6"/>
+          <p:cNvPr id="1048699" name="Holder 6"/>
           <p:cNvSpPr>
             <a:spLocks noGrp="1"/>
           </p:cNvSpPr>
@@ -1037,7 +1037,7 @@
       </p:sp>
       <p:sp>
         <p:nvSpPr>
-          <p:cNvPr id="1048693" name="Holder 7"/>
+          <p:cNvPr id="1048700" name="Holder 7"/>
           <p:cNvSpPr>
             <a:spLocks noGrp="1"/>
           </p:cNvSpPr>
@@ -1089,7 +1089,7 @@
   <p:cSld name="Title Only">
     <p:spTree>
       <p:nvGrpSpPr>
-        <p:cNvPr id="25" name=""/>
+        <p:cNvPr id="20" name=""/>
         <p:cNvGrpSpPr/>
         <p:nvPr/>
       </p:nvGrpSpPr>
@@ -1103,7 +1103,7 @@
       </p:grpSpPr>
       <p:sp>
         <p:nvSpPr>
-          <p:cNvPr id="1048606" name="Holder 2"/>
+          <p:cNvPr id="1048591" name="Holder 2"/>
           <p:cNvSpPr>
             <a:spLocks noGrp="1"/>
           </p:cNvSpPr>
@@ -1130,7 +1130,7 @@
       </p:sp>
       <p:sp>
         <p:nvSpPr>
-          <p:cNvPr id="1048607" name="Holder 3"/>
+          <p:cNvPr id="1048592" name="Holder 3"/>
           <p:cNvSpPr>
             <a:spLocks noGrp="1"/>
           </p:cNvSpPr>
@@ -1157,7 +1157,7 @@
       </p:sp>
       <p:sp>
         <p:nvSpPr>
-          <p:cNvPr id="1048608" name="Holder 4"/>
+          <p:cNvPr id="1048593" name="Holder 4"/>
           <p:cNvSpPr>
             <a:spLocks noGrp="1"/>
           </p:cNvSpPr>
@@ -1190,7 +1190,7 @@
       </p:sp>
       <p:sp>
         <p:nvSpPr>
-          <p:cNvPr id="1048609" name="Holder 5"/>
+          <p:cNvPr id="1048594" name="Holder 5"/>
           <p:cNvSpPr>
             <a:spLocks noGrp="1"/>
           </p:cNvSpPr>
@@ -1256,7 +1256,7 @@
       </p:grpSpPr>
       <p:sp>
         <p:nvSpPr>
-          <p:cNvPr id="1048694" name="Holder 2"/>
+          <p:cNvPr id="1048701" name="Holder 2"/>
           <p:cNvSpPr>
             <a:spLocks noGrp="1"/>
           </p:cNvSpPr>
@@ -1283,7 +1283,7 @@
       </p:sp>
       <p:sp>
         <p:nvSpPr>
-          <p:cNvPr id="1048695" name="Holder 3"/>
+          <p:cNvPr id="1048702" name="Holder 3"/>
           <p:cNvSpPr>
             <a:spLocks noGrp="1"/>
           </p:cNvSpPr>
@@ -1316,7 +1316,7 @@
       </p:sp>
       <p:sp>
         <p:nvSpPr>
-          <p:cNvPr id="1048696" name="Holder 4"/>
+          <p:cNvPr id="1048703" name="Holder 4"/>
           <p:cNvSpPr>
             <a:spLocks noGrp="1"/>
           </p:cNvSpPr>
@@ -1376,7 +1376,7 @@
     </p:bg>
     <p:spTree>
       <p:nvGrpSpPr>
-        <p:cNvPr id="12" name=""/>
+        <p:cNvPr id="14" name=""/>
         <p:cNvGrpSpPr/>
         <p:nvPr/>
       </p:nvGrpSpPr>
@@ -2017,11 +2017,11 @@
   </p:cSld>
   <p:clrMap accent1="accent1" accent2="accent2" accent3="accent3" accent4="accent4" accent5="accent5" accent6="accent6" bg1="lt1" bg2="lt2" tx1="dk1" tx2="dk2" hlink="hlink" folHlink="folHlink"/>
   <p:sldLayoutIdLst>
-    <p:sldLayoutId id="2147483649" r:id="rId1"/>
-    <p:sldLayoutId id="2147483650" r:id="rId2"/>
-    <p:sldLayoutId id="2147483651" r:id="rId3"/>
-    <p:sldLayoutId id="2147483652" r:id="rId4"/>
-    <p:sldLayoutId id="2147483653" r:id="rId5"/>
+    <p:sldLayoutId id="2147483655" r:id="rId1"/>
+    <p:sldLayoutId id="2147483656" r:id="rId2"/>
+    <p:sldLayoutId id="2147483657" r:id="rId3"/>
+    <p:sldLayoutId id="2147483658" r:id="rId4"/>
+    <p:sldLayoutId id="2147483659" r:id="rId5"/>
   </p:sldLayoutIdLst>
   <p:txStyles>
     <p:titleStyle>
@@ -2172,7 +2172,7 @@
   <p:cSld>
     <p:spTree>
       <p:nvGrpSpPr>
-        <p:cNvPr id="19" name=""/>
+        <p:cNvPr id="26" name=""/>
         <p:cNvGrpSpPr/>
         <p:nvPr/>
       </p:nvGrpSpPr>
@@ -2186,7 +2186,7 @@
       </p:grpSpPr>
       <p:grpSp>
         <p:nvGrpSpPr>
-          <p:cNvPr id="20" name="object 2"/>
+          <p:cNvPr id="27" name="object 2"/>
           <p:cNvGrpSpPr/>
           <p:nvPr/>
         </p:nvGrpSpPr>
@@ -2200,7 +2200,7 @@
         </p:grpSpPr>
         <p:sp>
           <p:nvSpPr>
-            <p:cNvPr id="1048596" name="object 3"/>
+            <p:cNvPr id="1048619" name="object 3"/>
             <p:cNvSpPr/>
             <p:nvPr/>
           </p:nvSpPr>
@@ -2251,7 +2251,7 @@
         </p:sp>
         <p:sp>
           <p:nvSpPr>
-            <p:cNvPr id="1048597" name="object 4"/>
+            <p:cNvPr id="1048620" name="object 4"/>
             <p:cNvSpPr/>
             <p:nvPr/>
           </p:nvSpPr>
@@ -2303,7 +2303,7 @@
       </p:grpSp>
       <p:sp>
         <p:nvSpPr>
-          <p:cNvPr id="1048598" name="object 5"/>
+          <p:cNvPr id="1048621" name="object 5"/>
           <p:cNvSpPr/>
           <p:nvPr/>
         </p:nvSpPr>
@@ -2354,7 +2354,7 @@
       </p:sp>
       <p:sp>
         <p:nvSpPr>
-          <p:cNvPr id="1048599" name="object 6"/>
+          <p:cNvPr id="1048622" name="object 6"/>
           <p:cNvSpPr/>
           <p:nvPr/>
         </p:nvSpPr>
@@ -2405,7 +2405,7 @@
       </p:sp>
       <p:sp>
         <p:nvSpPr>
-          <p:cNvPr id="1048600" name="object 7"/>
+          <p:cNvPr id="1048623" name="object 7"/>
           <p:cNvSpPr txBox="1">
             <a:spLocks noGrp="1"/>
           </p:cNvSpPr>
@@ -2466,7 +2466,7 @@
       </p:sp>
       <p:pic>
         <p:nvPicPr>
-          <p:cNvPr id="2097152" name="object 9"/>
+          <p:cNvPr id="2097156" name="object 9"/>
           <p:cNvPicPr>
             <a:picLocks/>
           </p:cNvPicPr>
@@ -2488,7 +2488,7 @@
       </p:pic>
       <p:sp>
         <p:nvSpPr>
-          <p:cNvPr id="1048601" name="object 11"/>
+          <p:cNvPr id="1048624" name="object 11"/>
           <p:cNvSpPr txBox="1">
             <a:spLocks noGrp="1"/>
           </p:cNvSpPr>
@@ -2522,7 +2522,7 @@
       </p:sp>
       <p:sp>
         <p:nvSpPr>
-          <p:cNvPr id="1048602" name="TextBox 13"/>
+          <p:cNvPr id="1048625" name="TextBox 13"/>
           <p:cNvSpPr txBox="1"/>
           <p:nvPr/>
         </p:nvSpPr>
@@ -2669,6 +2669,14 @@
             <a:r>
               <a:rPr dirty="0" sz="2400" lang="en-US"/>
               <a:t>7</a:t>
+            </a:r>
+            <a:r>
+              <a:rPr dirty="0" sz="2400" lang="en-US"/>
+              <a:t>3</a:t>
+            </a:r>
+            <a:r>
+              <a:rPr dirty="0" sz="2400" lang="en-US"/>
+              <a:t>8</a:t>
             </a:r>
             <a:endParaRPr altLang="en-US" lang="zh-CN"/>
           </a:p>
@@ -2888,7 +2896,7 @@
   <p:cSld>
     <p:spTree>
       <p:nvGrpSpPr>
-        <p:cNvPr id="40" name=""/>
+        <p:cNvPr id="24" name=""/>
         <p:cNvGrpSpPr/>
         <p:nvPr/>
       </p:nvGrpSpPr>
@@ -2902,7 +2910,7 @@
       </p:grpSpPr>
       <p:sp>
         <p:nvSpPr>
-          <p:cNvPr id="1048673" name="object 5"/>
+          <p:cNvPr id="1048607" name="object 5"/>
           <p:cNvSpPr/>
           <p:nvPr/>
         </p:nvSpPr>
@@ -2947,7 +2955,7 @@
       </p:sp>
       <p:pic>
         <p:nvPicPr>
-          <p:cNvPr id="2097166" name="object 6"/>
+          <p:cNvPr id="2097154" name="object 6"/>
           <p:cNvPicPr>
             <a:picLocks/>
           </p:cNvPicPr>
@@ -2969,7 +2977,7 @@
       </p:pic>
       <p:sp>
         <p:nvSpPr>
-          <p:cNvPr id="1048674" name="object 9"/>
+          <p:cNvPr id="1048608" name="object 9"/>
           <p:cNvSpPr txBox="1"/>
           <p:nvPr/>
         </p:nvSpPr>
@@ -3012,7 +3020,7 @@
       </p:sp>
       <p:sp>
         <p:nvSpPr>
-          <p:cNvPr id="1048675" name="object 8"/>
+          <p:cNvPr id="1048609" name="object 8"/>
           <p:cNvSpPr txBox="1"/>
           <p:nvPr/>
         </p:nvSpPr>
@@ -3101,7 +3109,7 @@
       </p:sp>
       <p:sp>
         <p:nvSpPr>
-          <p:cNvPr id="1048676" name="object 3"/>
+          <p:cNvPr id="1048610" name="object 3"/>
           <p:cNvSpPr/>
           <p:nvPr/>
         </p:nvSpPr>
@@ -3146,7 +3154,7 @@
       </p:sp>
       <p:sp>
         <p:nvSpPr>
-          <p:cNvPr id="1048708" name=""/>
+          <p:cNvPr id="1048611" name=""/>
           <p:cNvSpPr txBox="1"/>
           <p:nvPr/>
         </p:nvSpPr>
@@ -3199,7 +3207,7 @@
   <p:cSld>
     <p:spTree>
       <p:nvGrpSpPr>
-        <p:cNvPr id="41" name=""/>
+        <p:cNvPr id="22" name=""/>
         <p:cNvGrpSpPr/>
         <p:nvPr/>
       </p:nvGrpSpPr>
@@ -3213,7 +3221,7 @@
       </p:grpSpPr>
       <p:sp>
         <p:nvSpPr>
-          <p:cNvPr id="1048677" name="object 3"/>
+          <p:cNvPr id="1048597" name="object 3"/>
           <p:cNvSpPr/>
           <p:nvPr/>
         </p:nvSpPr>
@@ -3258,7 +3266,7 @@
       </p:sp>
       <p:sp>
         <p:nvSpPr>
-          <p:cNvPr id="1048678" name="object 4"/>
+          <p:cNvPr id="1048598" name="object 4"/>
           <p:cNvSpPr/>
           <p:nvPr/>
         </p:nvSpPr>
@@ -3303,7 +3311,7 @@
       </p:sp>
       <p:sp>
         <p:nvSpPr>
-          <p:cNvPr id="1048679" name="object 5"/>
+          <p:cNvPr id="1048599" name="object 5"/>
           <p:cNvSpPr/>
           <p:nvPr/>
         </p:nvSpPr>
@@ -3348,7 +3356,7 @@
       </p:sp>
       <p:pic>
         <p:nvPicPr>
-          <p:cNvPr id="2097167" name="object 6"/>
+          <p:cNvPr id="2097152" name="object 6"/>
           <p:cNvPicPr>
             <a:picLocks/>
           </p:cNvPicPr>
@@ -3370,7 +3378,7 @@
       </p:pic>
       <p:sp>
         <p:nvSpPr>
-          <p:cNvPr id="1048680" name="object 7"/>
+          <p:cNvPr id="1048600" name="object 7"/>
           <p:cNvSpPr txBox="1">
             <a:spLocks noGrp="1"/>
           </p:cNvSpPr>
@@ -3427,7 +3435,7 @@
       </p:sp>
       <p:sp>
         <p:nvSpPr>
-          <p:cNvPr id="1048681" name="object 9"/>
+          <p:cNvPr id="1048601" name="object 9"/>
           <p:cNvSpPr txBox="1"/>
           <p:nvPr/>
         </p:nvSpPr>
@@ -3470,7 +3478,7 @@
       </p:sp>
       <p:pic>
         <p:nvPicPr>
-          <p:cNvPr id="2097168" name=""/>
+          <p:cNvPr id="2097153" name=""/>
           <p:cNvPicPr>
             <a:picLocks/>
           </p:cNvPicPr>
@@ -3503,7 +3511,7 @@
   <p:cSld>
     <p:spTree>
       <p:nvGrpSpPr>
-        <p:cNvPr id="42" name=""/>
+        <p:cNvPr id="21" name=""/>
         <p:cNvGrpSpPr/>
         <p:nvPr/>
       </p:nvGrpSpPr>
@@ -3517,7 +3525,7 @@
       </p:grpSpPr>
       <p:sp>
         <p:nvSpPr>
-          <p:cNvPr id="1048682" name="Title 1"/>
+          <p:cNvPr id="1048595" name="Title 1"/>
           <p:cNvSpPr>
             <a:spLocks noGrp="1"/>
           </p:cNvSpPr>
@@ -3550,7 +3558,7 @@
       </p:sp>
       <p:sp>
         <p:nvSpPr>
-          <p:cNvPr id="1048709" name=""/>
+          <p:cNvPr id="1048596" name=""/>
           <p:cNvSpPr txBox="1"/>
           <p:nvPr/>
         </p:nvSpPr>
@@ -3606,7 +3614,7 @@
   <p:cSld>
     <p:spTree>
       <p:nvGrpSpPr>
-        <p:cNvPr id="26" name=""/>
+        <p:cNvPr id="30" name=""/>
         <p:cNvGrpSpPr/>
         <p:nvPr/>
       </p:nvGrpSpPr>
@@ -3620,7 +3628,7 @@
       </p:grpSpPr>
       <p:sp>
         <p:nvSpPr>
-          <p:cNvPr id="1048610" name="object 2"/>
+          <p:cNvPr id="1048629" name="object 2"/>
           <p:cNvSpPr/>
           <p:nvPr/>
         </p:nvSpPr>
@@ -3670,7 +3678,7 @@
       </p:sp>
       <p:grpSp>
         <p:nvGrpSpPr>
-          <p:cNvPr id="27" name="object 3"/>
+          <p:cNvPr id="31" name="object 3"/>
           <p:cNvGrpSpPr/>
           <p:nvPr/>
         </p:nvGrpSpPr>
@@ -3684,7 +3692,7 @@
         </p:grpSpPr>
         <p:sp>
           <p:nvSpPr>
-            <p:cNvPr id="1048611" name="object 4"/>
+            <p:cNvPr id="1048630" name="object 4"/>
             <p:cNvSpPr/>
             <p:nvPr/>
           </p:nvSpPr>
@@ -3721,7 +3729,7 @@
         </p:sp>
         <p:sp>
           <p:nvSpPr>
-            <p:cNvPr id="1048612" name="object 5"/>
+            <p:cNvPr id="1048631" name="object 5"/>
             <p:cNvSpPr/>
             <p:nvPr/>
           </p:nvSpPr>
@@ -3758,7 +3766,7 @@
         </p:sp>
         <p:sp>
           <p:nvSpPr>
-            <p:cNvPr id="1048613" name="object 6"/>
+            <p:cNvPr id="1048632" name="object 6"/>
             <p:cNvSpPr/>
             <p:nvPr/>
           </p:nvSpPr>
@@ -3805,7 +3813,7 @@
         </p:sp>
         <p:sp>
           <p:nvSpPr>
-            <p:cNvPr id="1048614" name="object 7"/>
+            <p:cNvPr id="1048633" name="object 7"/>
             <p:cNvSpPr/>
             <p:nvPr/>
           </p:nvSpPr>
@@ -3852,7 +3860,7 @@
         </p:sp>
         <p:sp>
           <p:nvSpPr>
-            <p:cNvPr id="1048615" name="object 8"/>
+            <p:cNvPr id="1048634" name="object 8"/>
             <p:cNvSpPr/>
             <p:nvPr/>
           </p:nvSpPr>
@@ -3896,7 +3904,7 @@
         </p:sp>
         <p:sp>
           <p:nvSpPr>
-            <p:cNvPr id="1048616" name="object 9"/>
+            <p:cNvPr id="1048635" name="object 9"/>
             <p:cNvSpPr/>
             <p:nvPr/>
           </p:nvSpPr>
@@ -3943,7 +3951,7 @@
         </p:sp>
         <p:sp>
           <p:nvSpPr>
-            <p:cNvPr id="1048617" name="object 10"/>
+            <p:cNvPr id="1048636" name="object 10"/>
             <p:cNvSpPr/>
             <p:nvPr/>
           </p:nvSpPr>
@@ -3990,7 +3998,7 @@
         </p:sp>
         <p:sp>
           <p:nvSpPr>
-            <p:cNvPr id="1048618" name="object 11"/>
+            <p:cNvPr id="1048637" name="object 11"/>
             <p:cNvSpPr/>
             <p:nvPr/>
           </p:nvSpPr>
@@ -4037,7 +4045,7 @@
         </p:sp>
         <p:sp>
           <p:nvSpPr>
-            <p:cNvPr id="1048619" name="object 12"/>
+            <p:cNvPr id="1048638" name="object 12"/>
             <p:cNvSpPr/>
             <p:nvPr/>
           </p:nvSpPr>
@@ -4082,7 +4090,7 @@
       </p:grpSp>
       <p:sp>
         <p:nvSpPr>
-          <p:cNvPr id="1048620" name="object 13"/>
+          <p:cNvPr id="1048639" name="object 13"/>
           <p:cNvSpPr/>
           <p:nvPr/>
         </p:nvSpPr>
@@ -4126,7 +4134,7 @@
       </p:sp>
       <p:sp>
         <p:nvSpPr>
-          <p:cNvPr id="1048621" name="object 14"/>
+          <p:cNvPr id="1048640" name="object 14"/>
           <p:cNvSpPr/>
           <p:nvPr/>
         </p:nvSpPr>
@@ -4171,7 +4179,7 @@
       </p:sp>
       <p:sp>
         <p:nvSpPr>
-          <p:cNvPr id="1048622" name="object 15"/>
+          <p:cNvPr id="1048641" name="object 15"/>
           <p:cNvSpPr/>
           <p:nvPr/>
         </p:nvSpPr>
@@ -4216,7 +4224,7 @@
       </p:sp>
       <p:sp>
         <p:nvSpPr>
-          <p:cNvPr id="1048623" name="object 16"/>
+          <p:cNvPr id="1048642" name="object 16"/>
           <p:cNvSpPr/>
           <p:nvPr/>
         </p:nvSpPr>
@@ -4261,7 +4269,7 @@
       </p:sp>
       <p:sp>
         <p:nvSpPr>
-          <p:cNvPr id="1048624" name="object 17"/>
+          <p:cNvPr id="1048643" name="object 17"/>
           <p:cNvSpPr txBox="1">
             <a:spLocks noGrp="1"/>
           </p:cNvSpPr>
@@ -4307,7 +4315,7 @@
       </p:sp>
       <p:grpSp>
         <p:nvGrpSpPr>
-          <p:cNvPr id="28" name="object 18"/>
+          <p:cNvPr id="32" name="object 18"/>
           <p:cNvGrpSpPr/>
           <p:nvPr/>
         </p:nvGrpSpPr>
@@ -4321,7 +4329,7 @@
         </p:grpSpPr>
         <p:pic>
           <p:nvPicPr>
-            <p:cNvPr id="2097153" name="object 19"/>
+            <p:cNvPr id="2097157" name="object 19"/>
             <p:cNvPicPr>
               <a:picLocks/>
             </p:cNvPicPr>
@@ -4343,7 +4351,7 @@
         </p:pic>
         <p:pic>
           <p:nvPicPr>
-            <p:cNvPr id="2097154" name="object 20"/>
+            <p:cNvPr id="2097158" name="object 20"/>
             <p:cNvPicPr>
               <a:picLocks/>
             </p:cNvPicPr>
@@ -4366,7 +4374,7 @@
       </p:grpSp>
       <p:sp>
         <p:nvSpPr>
-          <p:cNvPr id="1048625" name="object 22"/>
+          <p:cNvPr id="1048644" name="object 22"/>
           <p:cNvSpPr txBox="1">
             <a:spLocks noGrp="1"/>
           </p:cNvSpPr>
@@ -4400,7 +4408,7 @@
       </p:sp>
       <p:sp>
         <p:nvSpPr>
-          <p:cNvPr id="1048626" name="TextBox 22"/>
+          <p:cNvPr id="1048645" name="TextBox 22"/>
           <p:cNvSpPr txBox="1"/>
           <p:nvPr/>
         </p:nvSpPr>
@@ -4450,7 +4458,7 @@
   <p:cSld>
     <p:spTree>
       <p:nvGrpSpPr>
-        <p:cNvPr id="29" name=""/>
+        <p:cNvPr id="33" name=""/>
         <p:cNvGrpSpPr/>
         <p:nvPr/>
       </p:nvGrpSpPr>
@@ -4464,7 +4472,7 @@
       </p:grpSpPr>
       <p:sp>
         <p:nvSpPr>
-          <p:cNvPr id="1048627" name="object 2"/>
+          <p:cNvPr id="1048646" name="object 2"/>
           <p:cNvSpPr/>
           <p:nvPr/>
         </p:nvSpPr>
@@ -4511,7 +4519,7 @@
       </p:sp>
       <p:grpSp>
         <p:nvGrpSpPr>
-          <p:cNvPr id="30" name="object 3"/>
+          <p:cNvPr id="34" name="object 3"/>
           <p:cNvGrpSpPr/>
           <p:nvPr/>
         </p:nvGrpSpPr>
@@ -4525,7 +4533,7 @@
         </p:grpSpPr>
         <p:sp>
           <p:nvSpPr>
-            <p:cNvPr id="1048628" name="object 4"/>
+            <p:cNvPr id="1048647" name="object 4"/>
             <p:cNvSpPr/>
             <p:nvPr/>
           </p:nvSpPr>
@@ -4562,7 +4570,7 @@
         </p:sp>
         <p:sp>
           <p:nvSpPr>
-            <p:cNvPr id="1048629" name="object 5"/>
+            <p:cNvPr id="1048648" name="object 5"/>
             <p:cNvSpPr/>
             <p:nvPr/>
           </p:nvSpPr>
@@ -4599,7 +4607,7 @@
         </p:sp>
         <p:sp>
           <p:nvSpPr>
-            <p:cNvPr id="1048630" name="object 6"/>
+            <p:cNvPr id="1048649" name="object 6"/>
             <p:cNvSpPr/>
             <p:nvPr/>
           </p:nvSpPr>
@@ -4646,7 +4654,7 @@
         </p:sp>
         <p:sp>
           <p:nvSpPr>
-            <p:cNvPr id="1048631" name="object 7"/>
+            <p:cNvPr id="1048650" name="object 7"/>
             <p:cNvSpPr/>
             <p:nvPr/>
           </p:nvSpPr>
@@ -4693,7 +4701,7 @@
         </p:sp>
         <p:sp>
           <p:nvSpPr>
-            <p:cNvPr id="1048632" name="object 8"/>
+            <p:cNvPr id="1048651" name="object 8"/>
             <p:cNvSpPr/>
             <p:nvPr/>
           </p:nvSpPr>
@@ -4737,7 +4745,7 @@
         </p:sp>
         <p:sp>
           <p:nvSpPr>
-            <p:cNvPr id="1048633" name="object 9"/>
+            <p:cNvPr id="1048652" name="object 9"/>
             <p:cNvSpPr/>
             <p:nvPr/>
           </p:nvSpPr>
@@ -4784,7 +4792,7 @@
         </p:sp>
         <p:sp>
           <p:nvSpPr>
-            <p:cNvPr id="1048634" name="object 10"/>
+            <p:cNvPr id="1048653" name="object 10"/>
             <p:cNvSpPr/>
             <p:nvPr/>
           </p:nvSpPr>
@@ -4831,7 +4839,7 @@
         </p:sp>
         <p:sp>
           <p:nvSpPr>
-            <p:cNvPr id="1048635" name="object 11"/>
+            <p:cNvPr id="1048654" name="object 11"/>
             <p:cNvSpPr/>
             <p:nvPr/>
           </p:nvSpPr>
@@ -4878,7 +4886,7 @@
         </p:sp>
         <p:sp>
           <p:nvSpPr>
-            <p:cNvPr id="1048636" name="object 12"/>
+            <p:cNvPr id="1048655" name="object 12"/>
             <p:cNvSpPr/>
             <p:nvPr/>
           </p:nvSpPr>
@@ -4923,7 +4931,7 @@
       </p:grpSp>
       <p:sp>
         <p:nvSpPr>
-          <p:cNvPr id="1048637" name="object 13"/>
+          <p:cNvPr id="1048656" name="object 13"/>
           <p:cNvSpPr/>
           <p:nvPr/>
         </p:nvSpPr>
@@ -4967,7 +4975,7 @@
       </p:sp>
       <p:sp>
         <p:nvSpPr>
-          <p:cNvPr id="1048638" name="object 14"/>
+          <p:cNvPr id="1048657" name="object 14"/>
           <p:cNvSpPr txBox="1"/>
           <p:nvPr/>
         </p:nvSpPr>
@@ -5137,7 +5145,7 @@
       </p:sp>
       <p:sp>
         <p:nvSpPr>
-          <p:cNvPr id="1048639" name="object 15"/>
+          <p:cNvPr id="1048658" name="object 15"/>
           <p:cNvSpPr/>
           <p:nvPr/>
         </p:nvSpPr>
@@ -5242,7 +5250,7 @@
       </p:sp>
       <p:sp>
         <p:nvSpPr>
-          <p:cNvPr id="1048640" name="object 16"/>
+          <p:cNvPr id="1048659" name="object 16"/>
           <p:cNvSpPr/>
           <p:nvPr/>
         </p:nvSpPr>
@@ -5407,7 +5415,7 @@
       </p:sp>
       <p:pic>
         <p:nvPicPr>
-          <p:cNvPr id="2097155" name="object 17"/>
+          <p:cNvPr id="2097159" name="object 17"/>
           <p:cNvPicPr>
             <a:picLocks/>
           </p:cNvPicPr>
@@ -5429,7 +5437,7 @@
       </p:pic>
       <p:grpSp>
         <p:nvGrpSpPr>
-          <p:cNvPr id="31" name="object 18"/>
+          <p:cNvPr id="35" name="object 18"/>
           <p:cNvGrpSpPr/>
           <p:nvPr/>
         </p:nvGrpSpPr>
@@ -5443,7 +5451,7 @@
         </p:grpSpPr>
         <p:pic>
           <p:nvPicPr>
-            <p:cNvPr id="2097156" name="object 19"/>
+            <p:cNvPr id="2097160" name="object 19"/>
             <p:cNvPicPr>
               <a:picLocks/>
             </p:cNvPicPr>
@@ -5465,7 +5473,7 @@
         </p:pic>
         <p:pic>
           <p:nvPicPr>
-            <p:cNvPr id="2097157" name="object 20"/>
+            <p:cNvPr id="2097161" name="object 20"/>
             <p:cNvPicPr>
               <a:picLocks/>
             </p:cNvPicPr>
@@ -5488,7 +5496,7 @@
       </p:grpSp>
       <p:sp>
         <p:nvSpPr>
-          <p:cNvPr id="1048641" name="object 21"/>
+          <p:cNvPr id="1048660" name="object 21"/>
           <p:cNvSpPr txBox="1">
             <a:spLocks noGrp="1"/>
           </p:cNvSpPr>
@@ -5541,7 +5549,7 @@
       </p:sp>
       <p:sp>
         <p:nvSpPr>
-          <p:cNvPr id="1048642" name="object 22"/>
+          <p:cNvPr id="1048661" name="object 22"/>
           <p:cNvSpPr txBox="1">
             <a:spLocks noGrp="1"/>
           </p:cNvSpPr>
@@ -5575,7 +5583,7 @@
       </p:sp>
       <p:sp>
         <p:nvSpPr>
-          <p:cNvPr id="1048643" name="TextBox 22"/>
+          <p:cNvPr id="1048662" name="TextBox 22"/>
           <p:cNvSpPr txBox="1"/>
           <p:nvPr/>
         </p:nvSpPr>
@@ -5784,7 +5792,7 @@
   <p:cSld>
     <p:spTree>
       <p:nvGrpSpPr>
-        <p:cNvPr id="32" name=""/>
+        <p:cNvPr id="36" name=""/>
         <p:cNvGrpSpPr/>
         <p:nvPr/>
       </p:nvGrpSpPr>
@@ -5798,7 +5806,7 @@
       </p:grpSpPr>
       <p:grpSp>
         <p:nvGrpSpPr>
-          <p:cNvPr id="33" name="object 2"/>
+          <p:cNvPr id="37" name="object 2"/>
           <p:cNvGrpSpPr/>
           <p:nvPr/>
         </p:nvGrpSpPr>
@@ -5812,7 +5820,7 @@
         </p:grpSpPr>
         <p:sp>
           <p:nvSpPr>
-            <p:cNvPr id="1048644" name="object 3"/>
+            <p:cNvPr id="1048663" name="object 3"/>
             <p:cNvSpPr/>
             <p:nvPr/>
           </p:nvSpPr>
@@ -5857,7 +5865,7 @@
         </p:sp>
         <p:sp>
           <p:nvSpPr>
-            <p:cNvPr id="1048645" name="object 4"/>
+            <p:cNvPr id="1048664" name="object 4"/>
             <p:cNvSpPr/>
             <p:nvPr/>
           </p:nvSpPr>
@@ -5902,7 +5910,7 @@
         </p:sp>
         <p:pic>
           <p:nvPicPr>
-            <p:cNvPr id="2097158" name="object 5"/>
+            <p:cNvPr id="2097162" name="object 5"/>
             <p:cNvPicPr>
               <a:picLocks/>
             </p:cNvPicPr>
@@ -5925,7 +5933,7 @@
       </p:grpSp>
       <p:sp>
         <p:nvSpPr>
-          <p:cNvPr id="1048646" name="object 6"/>
+          <p:cNvPr id="1048665" name="object 6"/>
           <p:cNvSpPr/>
           <p:nvPr/>
         </p:nvSpPr>
@@ -5970,7 +5978,7 @@
       </p:sp>
       <p:sp>
         <p:nvSpPr>
-          <p:cNvPr id="1048647" name="object 7"/>
+          <p:cNvPr id="1048666" name="object 7"/>
           <p:cNvSpPr txBox="1">
             <a:spLocks noGrp="1"/>
           </p:cNvSpPr>
@@ -6059,7 +6067,7 @@
       </p:sp>
       <p:pic>
         <p:nvPicPr>
-          <p:cNvPr id="2097159" name="object 8"/>
+          <p:cNvPr id="2097163" name="object 8"/>
           <p:cNvPicPr>
             <a:picLocks/>
           </p:cNvPicPr>
@@ -6081,7 +6089,7 @@
       </p:pic>
       <p:sp>
         <p:nvSpPr>
-          <p:cNvPr id="1048648" name="object 10"/>
+          <p:cNvPr id="1048667" name="object 10"/>
           <p:cNvSpPr txBox="1">
             <a:spLocks noGrp="1"/>
           </p:cNvSpPr>
@@ -6115,7 +6123,7 @@
       </p:sp>
       <p:sp>
         <p:nvSpPr>
-          <p:cNvPr id="1048703" name=""/>
+          <p:cNvPr id="1048668" name=""/>
           <p:cNvSpPr txBox="1"/>
           <p:nvPr/>
         </p:nvSpPr>
@@ -6168,7 +6176,7 @@
   <p:cSld>
     <p:spTree>
       <p:nvGrpSpPr>
-        <p:cNvPr id="34" name=""/>
+        <p:cNvPr id="38" name=""/>
         <p:cNvGrpSpPr/>
         <p:nvPr/>
       </p:nvGrpSpPr>
@@ -6182,7 +6190,7 @@
       </p:grpSpPr>
       <p:grpSp>
         <p:nvGrpSpPr>
-          <p:cNvPr id="35" name="object 2"/>
+          <p:cNvPr id="39" name="object 2"/>
           <p:cNvGrpSpPr/>
           <p:nvPr/>
         </p:nvGrpSpPr>
@@ -6196,7 +6204,7 @@
         </p:grpSpPr>
         <p:sp>
           <p:nvSpPr>
-            <p:cNvPr id="1048649" name="object 3"/>
+            <p:cNvPr id="1048669" name="object 3"/>
             <p:cNvSpPr/>
             <p:nvPr/>
           </p:nvSpPr>
@@ -6241,7 +6249,7 @@
         </p:sp>
         <p:sp>
           <p:nvSpPr>
-            <p:cNvPr id="1048650" name="object 4"/>
+            <p:cNvPr id="1048670" name="object 4"/>
             <p:cNvSpPr/>
             <p:nvPr/>
           </p:nvSpPr>
@@ -6286,7 +6294,7 @@
         </p:sp>
         <p:pic>
           <p:nvPicPr>
-            <p:cNvPr id="2097160" name="object 5"/>
+            <p:cNvPr id="2097164" name="object 5"/>
             <p:cNvPicPr>
               <a:picLocks/>
             </p:cNvPicPr>
@@ -6309,7 +6317,7 @@
       </p:grpSp>
       <p:sp>
         <p:nvSpPr>
-          <p:cNvPr id="1048651" name="object 6"/>
+          <p:cNvPr id="1048671" name="object 6"/>
           <p:cNvSpPr/>
           <p:nvPr/>
         </p:nvSpPr>
@@ -6354,7 +6362,7 @@
       </p:sp>
       <p:sp>
         <p:nvSpPr>
-          <p:cNvPr id="1048652" name="object 7"/>
+          <p:cNvPr id="1048672" name="object 7"/>
           <p:cNvSpPr txBox="1">
             <a:spLocks noGrp="1"/>
           </p:cNvSpPr>
@@ -6399,7 +6407,7 @@
       </p:sp>
       <p:pic>
         <p:nvPicPr>
-          <p:cNvPr id="2097161" name="object 8"/>
+          <p:cNvPr id="2097165" name="object 8"/>
           <p:cNvPicPr>
             <a:picLocks/>
           </p:cNvPicPr>
@@ -6421,7 +6429,7 @@
       </p:pic>
       <p:sp>
         <p:nvSpPr>
-          <p:cNvPr id="1048653" name="object 10"/>
+          <p:cNvPr id="1048673" name="object 10"/>
           <p:cNvSpPr txBox="1">
             <a:spLocks noGrp="1"/>
           </p:cNvSpPr>
@@ -6455,7 +6463,7 @@
       </p:sp>
       <p:sp>
         <p:nvSpPr>
-          <p:cNvPr id="1048654" name="TextBox 10"/>
+          <p:cNvPr id="1048674" name="TextBox 10"/>
           <p:cNvSpPr txBox="1"/>
           <p:nvPr/>
         </p:nvSpPr>
@@ -6498,7 +6506,7 @@
       </p:sp>
       <p:sp>
         <p:nvSpPr>
-          <p:cNvPr id="1048704" name=""/>
+          <p:cNvPr id="1048675" name=""/>
           <p:cNvSpPr txBox="1"/>
           <p:nvPr/>
         </p:nvSpPr>
@@ -6549,7 +6557,7 @@
   <p:cSld>
     <p:spTree>
       <p:nvGrpSpPr>
-        <p:cNvPr id="36" name=""/>
+        <p:cNvPr id="40" name=""/>
         <p:cNvGrpSpPr/>
         <p:nvPr/>
       </p:nvGrpSpPr>
@@ -6563,7 +6571,7 @@
       </p:grpSpPr>
       <p:sp>
         <p:nvSpPr>
-          <p:cNvPr id="1048655" name="object 2"/>
+          <p:cNvPr id="1048676" name="object 2"/>
           <p:cNvSpPr/>
           <p:nvPr/>
         </p:nvSpPr>
@@ -6608,7 +6616,7 @@
       </p:sp>
       <p:sp>
         <p:nvSpPr>
-          <p:cNvPr id="1048656" name="object 3"/>
+          <p:cNvPr id="1048677" name="object 3"/>
           <p:cNvSpPr/>
           <p:nvPr/>
         </p:nvSpPr>
@@ -6653,7 +6661,7 @@
       </p:sp>
       <p:sp>
         <p:nvSpPr>
-          <p:cNvPr id="1048657" name="object 4"/>
+          <p:cNvPr id="1048678" name="object 4"/>
           <p:cNvSpPr/>
           <p:nvPr/>
         </p:nvSpPr>
@@ -6698,7 +6706,7 @@
       </p:sp>
       <p:sp>
         <p:nvSpPr>
-          <p:cNvPr id="1048658" name="object 5"/>
+          <p:cNvPr id="1048679" name="object 5"/>
           <p:cNvSpPr txBox="1">
             <a:spLocks noGrp="1"/>
           </p:cNvSpPr>
@@ -6812,7 +6820,7 @@
       </p:sp>
       <p:pic>
         <p:nvPicPr>
-          <p:cNvPr id="2097162" name="object 6"/>
+          <p:cNvPr id="2097166" name="object 6"/>
           <p:cNvPicPr>
             <a:picLocks/>
           </p:cNvPicPr>
@@ -6834,7 +6842,7 @@
       </p:pic>
       <p:sp>
         <p:nvSpPr>
-          <p:cNvPr id="1048659" name="object 8"/>
+          <p:cNvPr id="1048680" name="object 8"/>
           <p:cNvSpPr txBox="1">
             <a:spLocks noGrp="1"/>
           </p:cNvSpPr>
@@ -6868,7 +6876,7 @@
       </p:sp>
       <p:sp>
         <p:nvSpPr>
-          <p:cNvPr id="1048705" name=""/>
+          <p:cNvPr id="1048681" name=""/>
           <p:cNvSpPr txBox="1"/>
           <p:nvPr/>
         </p:nvSpPr>
@@ -6917,7 +6925,7 @@
   <p:cSld>
     <p:spTree>
       <p:nvGrpSpPr>
-        <p:cNvPr id="37" name=""/>
+        <p:cNvPr id="41" name=""/>
         <p:cNvGrpSpPr/>
         <p:nvPr/>
       </p:nvGrpSpPr>
@@ -6931,7 +6939,7 @@
       </p:grpSpPr>
       <p:pic>
         <p:nvPicPr>
-          <p:cNvPr id="2097163" name="object 2"/>
+          <p:cNvPr id="2097167" name="object 2"/>
           <p:cNvPicPr>
             <a:picLocks/>
           </p:cNvPicPr>
@@ -6953,7 +6961,7 @@
       </p:pic>
       <p:sp>
         <p:nvSpPr>
-          <p:cNvPr id="1048660" name="object 3"/>
+          <p:cNvPr id="1048682" name="object 3"/>
           <p:cNvSpPr/>
           <p:nvPr/>
         </p:nvSpPr>
@@ -6998,7 +7006,7 @@
       </p:sp>
       <p:sp>
         <p:nvSpPr>
-          <p:cNvPr id="1048661" name="object 4"/>
+          <p:cNvPr id="1048683" name="object 4"/>
           <p:cNvSpPr/>
           <p:nvPr/>
         </p:nvSpPr>
@@ -7043,7 +7051,7 @@
       </p:sp>
       <p:sp>
         <p:nvSpPr>
-          <p:cNvPr id="1048662" name="object 5"/>
+          <p:cNvPr id="1048684" name="object 5"/>
           <p:cNvSpPr/>
           <p:nvPr/>
         </p:nvSpPr>
@@ -7088,7 +7096,7 @@
       </p:sp>
       <p:sp>
         <p:nvSpPr>
-          <p:cNvPr id="1048663" name="object 6"/>
+          <p:cNvPr id="1048685" name="object 6"/>
           <p:cNvSpPr txBox="1">
             <a:spLocks noGrp="1"/>
           </p:cNvSpPr>
@@ -7265,7 +7273,7 @@
       </p:sp>
       <p:pic>
         <p:nvPicPr>
-          <p:cNvPr id="2097164" name="object 7"/>
+          <p:cNvPr id="2097168" name="object 7"/>
           <p:cNvPicPr>
             <a:picLocks/>
           </p:cNvPicPr>
@@ -7287,7 +7295,7 @@
       </p:pic>
       <p:sp>
         <p:nvSpPr>
-          <p:cNvPr id="1048664" name="object 9"/>
+          <p:cNvPr id="1048686" name="object 9"/>
           <p:cNvSpPr txBox="1">
             <a:spLocks noGrp="1"/>
           </p:cNvSpPr>
@@ -7321,7 +7329,7 @@
       </p:sp>
       <p:sp>
         <p:nvSpPr>
-          <p:cNvPr id="1048706" name=""/>
+          <p:cNvPr id="1048687" name=""/>
           <p:cNvSpPr txBox="1"/>
           <p:nvPr/>
         </p:nvSpPr>
@@ -7371,7 +7379,7 @@
   <p:cSld>
     <p:spTree>
       <p:nvGrpSpPr>
-        <p:cNvPr id="38" name=""/>
+        <p:cNvPr id="42" name=""/>
         <p:cNvGrpSpPr/>
         <p:nvPr/>
       </p:nvGrpSpPr>
@@ -7385,7 +7393,7 @@
       </p:grpSpPr>
       <p:sp>
         <p:nvSpPr>
-          <p:cNvPr id="1048665" name="Title 1"/>
+          <p:cNvPr id="1048688" name="Title 1"/>
           <p:cNvSpPr>
             <a:spLocks noGrp="1"/>
           </p:cNvSpPr>
@@ -7411,7 +7419,7 @@
       </p:sp>
       <p:sp>
         <p:nvSpPr>
-          <p:cNvPr id="1048707" name=""/>
+          <p:cNvPr id="1048689" name=""/>
           <p:cNvSpPr txBox="1"/>
           <p:nvPr/>
         </p:nvSpPr>
@@ -7460,7 +7468,7 @@
   <p:cSld>
     <p:spTree>
       <p:nvGrpSpPr>
-        <p:cNvPr id="39" name=""/>
+        <p:cNvPr id="25" name=""/>
         <p:cNvGrpSpPr/>
         <p:nvPr/>
       </p:nvGrpSpPr>
@@ -7474,7 +7482,7 @@
       </p:grpSpPr>
       <p:sp>
         <p:nvSpPr>
-          <p:cNvPr id="1048666" name="object 2"/>
+          <p:cNvPr id="1048612" name="object 2"/>
           <p:cNvSpPr txBox="1"/>
           <p:nvPr/>
         </p:nvSpPr>
@@ -7644,7 +7652,7 @@
       </p:sp>
       <p:sp>
         <p:nvSpPr>
-          <p:cNvPr id="1048667" name="object 3"/>
+          <p:cNvPr id="1048613" name="object 3"/>
           <p:cNvSpPr/>
           <p:nvPr/>
         </p:nvSpPr>
@@ -7689,7 +7697,7 @@
       </p:sp>
       <p:sp>
         <p:nvSpPr>
-          <p:cNvPr id="1048668" name="object 4"/>
+          <p:cNvPr id="1048614" name="object 4"/>
           <p:cNvSpPr/>
           <p:nvPr/>
         </p:nvSpPr>
@@ -7734,7 +7742,7 @@
       </p:sp>
       <p:sp>
         <p:nvSpPr>
-          <p:cNvPr id="1048669" name="object 5"/>
+          <p:cNvPr id="1048615" name="object 5"/>
           <p:cNvSpPr/>
           <p:nvPr/>
         </p:nvSpPr>
@@ -7779,7 +7787,7 @@
       </p:sp>
       <p:pic>
         <p:nvPicPr>
-          <p:cNvPr id="2097165" name="object 6"/>
+          <p:cNvPr id="2097155" name="object 6"/>
           <p:cNvPicPr>
             <a:picLocks/>
           </p:cNvPicPr>
@@ -7801,7 +7809,7 @@
       </p:pic>
       <p:sp>
         <p:nvSpPr>
-          <p:cNvPr id="1048670" name="object 7"/>
+          <p:cNvPr id="1048616" name="object 7"/>
           <p:cNvSpPr txBox="1">
             <a:spLocks noGrp="1"/>
           </p:cNvSpPr>
@@ -7879,7 +7887,7 @@
       </p:sp>
       <p:sp>
         <p:nvSpPr>
-          <p:cNvPr id="1048671" name="object 8"/>
+          <p:cNvPr id="1048617" name="object 8"/>
           <p:cNvSpPr txBox="1"/>
           <p:nvPr/>
         </p:nvSpPr>
@@ -7922,7 +7930,7 @@
       </p:sp>
       <p:sp>
         <p:nvSpPr>
-          <p:cNvPr id="1048672" name="TextBox 8"/>
+          <p:cNvPr id="1048618" name="TextBox 8"/>
           <p:cNvSpPr txBox="1"/>
           <p:nvPr/>
         </p:nvSpPr>
